--- a/Go go goose.pptx
+++ b/Go go goose.pptx
@@ -112,7 +112,7 @@
   </p:defaultTextStyle>
   <p:extLst>
     <p:ext uri="{EFAFB233-063F-42B5-8137-9DF3F51BA10A}">
-      <p15:sldGuideLst xmlns:p15="http://schemas.microsoft.com/office/powerpoint/2012/main">
+      <p15:sldGuideLst xmlns:p15="http://schemas.microsoft.com/office/powerpoint/2012/main" xmlns="">
         <p15:guide id="1" orient="horz" pos="2160">
           <p15:clr>
             <a:srgbClr val="A4A3A4"/>
@@ -6284,11 +6284,7 @@
             </a:r>
             <a:r>
               <a:rPr lang="ru-RU" dirty="0" smtClean="0"/>
-              <a:t>него и их взаимодействие</a:t>
-            </a:r>
-            <a:r>
-              <a:rPr lang="ru-RU" dirty="0" smtClean="0"/>
-              <a:t>.</a:t>
+              <a:t>него и их взаимодействие.</a:t>
             </a:r>
             <a:endParaRPr lang="en-US" dirty="0"/>
           </a:p>
@@ -6363,6 +6359,10 @@
           </a:bodyPr>
           <a:lstStyle/>
           <a:p>
+            <a:r>
+              <a:rPr lang="ru-RU" dirty="0" smtClean="0"/>
+              <a:t>Структура</a:t>
+            </a:r>
             <a:endParaRPr lang="ru-RU" dirty="0"/>
           </a:p>
         </p:txBody>
@@ -6480,7 +6480,11 @@
           <a:bodyPr/>
           <a:lstStyle/>
           <a:p>
-            <a:endParaRPr lang="ru-RU"/>
+            <a:r>
+              <a:rPr lang="ru-RU" dirty="0" smtClean="0"/>
+              <a:t>Структура</a:t>
+            </a:r>
+            <a:endParaRPr lang="ru-RU" dirty="0"/>
           </a:p>
         </p:txBody>
       </p:sp>
@@ -6728,7 +6732,7 @@
     </a:clrScheme>
     <a:fontScheme name="Натуральные материалы">
       <a:majorFont>
-        <a:latin typeface="Garamond" panose="02020404030301010803"/>
+        <a:latin typeface="Garamond"/>
         <a:ea typeface=""/>
         <a:cs typeface=""/>
         <a:font script="Jpan" typeface="ＭＳ Ｐゴシック"/>
@@ -6763,7 +6767,7 @@
         <a:font script="Geor" typeface="Sylfaen"/>
       </a:majorFont>
       <a:minorFont>
-        <a:latin typeface="Garamond" panose="02020404030301010803"/>
+        <a:latin typeface="Garamond"/>
         <a:ea typeface=""/>
         <a:cs typeface=""/>
         <a:font script="Jpan" typeface="ＭＳ Ｐ明朝"/>
@@ -6912,7 +6916,7 @@
   <a:extraClrSchemeLst/>
   <a:extLst>
     <a:ext uri="{05A4C25C-085E-4340-85A3-A5531E510DB2}">
-      <thm15:themeFamily xmlns:thm15="http://schemas.microsoft.com/office/thememl/2012/main" name="Organic" id="{28CDC826-8792-45C0-861B-85EB3ADEDA33}" vid="{7DAC20F1-423D-49E2-BD0B-50532748BAD0}"/>
+      <thm15:themeFamily xmlns:thm15="http://schemas.microsoft.com/office/thememl/2012/main" xmlns="" name="Organic" id="{28CDC826-8792-45C0-861B-85EB3ADEDA33}" vid="{7DAC20F1-423D-49E2-BD0B-50532748BAD0}"/>
     </a:ext>
   </a:extLst>
 </a:theme>
